--- a/prsn/shuron/Master_Slide_2210104043_Yusei_Takayama.pptx
+++ b/prsn/shuron/Master_Slide_2210104043_Yusei_Takayama.pptx
@@ -316,7 +316,7 @@
           <a:p>
             <a:fld id="{AA11B9FB-333F-460A-9517-0BCD279B4527}" type="datetimeFigureOut">
               <a:rPr kumimoji="1" lang="ja-JP" altLang="en-US" smtClean="0"/>
-              <a:t>2024/12/2</a:t>
+              <a:t>2025/2/6</a:t>
             </a:fld>
             <a:endParaRPr kumimoji="1" lang="ja-JP" altLang="en-US"/>
           </a:p>
@@ -493,7 +493,7 @@
           <a:p>
             <a:fld id="{51CEA0BD-DC90-403D-801D-2BAD5ACCE07B}" type="datetimeFigureOut">
               <a:rPr kumimoji="1" lang="ja-JP" altLang="en-US" smtClean="0"/>
-              <a:t>2024/12/2</a:t>
+              <a:t>2025/2/6</a:t>
             </a:fld>
             <a:endParaRPr kumimoji="1" lang="ja-JP" altLang="en-US"/>
           </a:p>
@@ -11119,7 +11119,7 @@
           <a:p>
             <a:fld id="{ADC4CBD9-3FF8-40EE-9D77-E4BF71F8F70A}" type="datetime1">
               <a:rPr kumimoji="1" lang="ja-JP" altLang="en-US" smtClean="0"/>
-              <a:t>2024/12/2</a:t>
+              <a:t>2025/2/6</a:t>
             </a:fld>
             <a:endParaRPr kumimoji="1" lang="ja-JP" altLang="en-US"/>
           </a:p>
@@ -11410,7 +11410,7 @@
           <a:p>
             <a:fld id="{242B0D6A-3CDB-4C59-8359-D81C7810B887}" type="datetime1">
               <a:rPr kumimoji="1" lang="ja-JP" altLang="en-US" smtClean="0"/>
-              <a:t>2024/12/2</a:t>
+              <a:t>2025/2/6</a:t>
             </a:fld>
             <a:endParaRPr kumimoji="1" lang="ja-JP" altLang="en-US"/>
           </a:p>
@@ -11663,7 +11663,7 @@
           <a:p>
             <a:fld id="{85086828-11F7-43D4-B45B-BD352AC64FA5}" type="datetime1">
               <a:rPr kumimoji="1" lang="ja-JP" altLang="en-US" smtClean="0"/>
-              <a:t>2024/12/2</a:t>
+              <a:t>2025/2/6</a:t>
             </a:fld>
             <a:endParaRPr kumimoji="1" lang="ja-JP" altLang="en-US"/>
           </a:p>
@@ -12201,7 +12201,7 @@
           <a:p>
             <a:fld id="{0DD643D6-4565-4AFF-8261-1DE821FED62A}" type="datetime1">
               <a:rPr kumimoji="1" lang="ja-JP" altLang="en-US" smtClean="0"/>
-              <a:t>2024/12/2</a:t>
+              <a:t>2025/2/6</a:t>
             </a:fld>
             <a:endParaRPr kumimoji="1" lang="ja-JP" altLang="en-US"/>
           </a:p>
@@ -12449,7 +12449,7 @@
           <a:p>
             <a:fld id="{6250FEAA-82FB-45F7-A6C0-6F1709200136}" type="datetime1">
               <a:rPr kumimoji="1" lang="ja-JP" altLang="en-US" smtClean="0"/>
-              <a:t>2024/12/2</a:t>
+              <a:t>2025/2/6</a:t>
             </a:fld>
             <a:endParaRPr kumimoji="1" lang="ja-JP" altLang="en-US"/>
           </a:p>
@@ -12992,7 +12992,7 @@
           <a:p>
             <a:fld id="{0A756BA6-5FBD-4993-B242-DB093BD39E71}" type="datetime1">
               <a:rPr kumimoji="1" lang="ja-JP" altLang="en-US" smtClean="0"/>
-              <a:t>2024/12/2</a:t>
+              <a:t>2025/2/6</a:t>
             </a:fld>
             <a:endParaRPr kumimoji="1" lang="ja-JP" altLang="en-US"/>
           </a:p>
@@ -13302,7 +13302,7 @@
           <a:p>
             <a:fld id="{854A296A-2F8E-453C-9AE8-06C654B11136}" type="datetime1">
               <a:rPr kumimoji="1" lang="ja-JP" altLang="en-US" smtClean="0"/>
-              <a:t>2024/12/2</a:t>
+              <a:t>2025/2/6</a:t>
             </a:fld>
             <a:endParaRPr kumimoji="1" lang="ja-JP" altLang="en-US"/>
           </a:p>
@@ -13509,7 +13509,7 @@
           <a:p>
             <a:fld id="{C813875C-789E-4278-B2F6-ECC0749A8AE4}" type="datetime1">
               <a:rPr kumimoji="1" lang="ja-JP" altLang="en-US" smtClean="0"/>
-              <a:t>2024/12/2</a:t>
+              <a:t>2025/2/6</a:t>
             </a:fld>
             <a:endParaRPr kumimoji="1" lang="ja-JP" altLang="en-US"/>
           </a:p>
@@ -13721,7 +13721,7 @@
           <a:p>
             <a:fld id="{2B16063E-2909-4835-91B9-4DA02899CF91}" type="datetime1">
               <a:rPr kumimoji="1" lang="ja-JP" altLang="en-US" smtClean="0"/>
-              <a:t>2024/12/2</a:t>
+              <a:t>2025/2/6</a:t>
             </a:fld>
             <a:endParaRPr kumimoji="1" lang="ja-JP" altLang="en-US"/>
           </a:p>
@@ -13936,7 +13936,7 @@
           <a:p>
             <a:fld id="{5A9C2B8C-51CA-4594-AFC6-29498B41952D}" type="datetime1">
               <a:rPr kumimoji="1" lang="ja-JP" altLang="en-US" smtClean="0"/>
-              <a:t>2024/12/2</a:t>
+              <a:t>2025/2/6</a:t>
             </a:fld>
             <a:endParaRPr kumimoji="1" lang="ja-JP" altLang="en-US"/>
           </a:p>
@@ -14194,7 +14194,7 @@
           <a:p>
             <a:fld id="{D2770C22-E414-4906-A05C-194BBC5023B7}" type="datetime1">
               <a:rPr kumimoji="1" lang="ja-JP" altLang="en-US" smtClean="0"/>
-              <a:t>2024/12/2</a:t>
+              <a:t>2025/2/6</a:t>
             </a:fld>
             <a:endParaRPr kumimoji="1" lang="ja-JP" altLang="en-US"/>
           </a:p>
@@ -14550,7 +14550,7 @@
           <a:p>
             <a:fld id="{A594D997-E1B3-4962-AB01-9510AC780FED}" type="datetime1">
               <a:rPr kumimoji="1" lang="ja-JP" altLang="en-US" smtClean="0"/>
-              <a:t>2024/12/2</a:t>
+              <a:t>2025/2/6</a:t>
             </a:fld>
             <a:endParaRPr kumimoji="1" lang="ja-JP" altLang="en-US"/>
           </a:p>
@@ -15044,7 +15044,7 @@
           <a:p>
             <a:fld id="{EA510319-9696-41C7-A0B1-C79D0FAB72CE}" type="datetime1">
               <a:rPr kumimoji="1" lang="ja-JP" altLang="en-US" smtClean="0"/>
-              <a:t>2024/12/2</a:t>
+              <a:t>2025/2/6</a:t>
             </a:fld>
             <a:endParaRPr kumimoji="1" lang="ja-JP" altLang="en-US"/>
           </a:p>
@@ -15168,7 +15168,7 @@
           <a:p>
             <a:fld id="{47148222-9A41-429C-9D88-72B46141A146}" type="datetime1">
               <a:rPr kumimoji="1" lang="ja-JP" altLang="en-US" smtClean="0"/>
-              <a:t>2024/12/2</a:t>
+              <a:t>2025/2/6</a:t>
             </a:fld>
             <a:endParaRPr kumimoji="1" lang="ja-JP" altLang="en-US"/>
           </a:p>
@@ -15263,7 +15263,7 @@
           <a:p>
             <a:fld id="{FD4BA19C-D5EF-4F0E-A2B2-101D4B975ABD}" type="datetime1">
               <a:rPr kumimoji="1" lang="ja-JP" altLang="en-US" smtClean="0"/>
-              <a:t>2024/12/2</a:t>
+              <a:t>2025/2/6</a:t>
             </a:fld>
             <a:endParaRPr kumimoji="1" lang="ja-JP" altLang="en-US"/>
           </a:p>
@@ -15578,7 +15578,7 @@
           <a:p>
             <a:fld id="{31360CAD-AA14-4A9A-82A5-7F6F74B1D576}" type="datetime1">
               <a:rPr kumimoji="1" lang="ja-JP" altLang="en-US" smtClean="0"/>
-              <a:t>2024/12/2</a:t>
+              <a:t>2025/2/6</a:t>
             </a:fld>
             <a:endParaRPr kumimoji="1" lang="ja-JP" altLang="en-US"/>
           </a:p>
@@ -15869,7 +15869,7 @@
           <a:p>
             <a:fld id="{7E550737-9CA4-489A-9C80-E740D5B2F379}" type="datetime1">
               <a:rPr kumimoji="1" lang="ja-JP" altLang="en-US" smtClean="0"/>
-              <a:t>2024/12/2</a:t>
+              <a:t>2025/2/6</a:t>
             </a:fld>
             <a:endParaRPr kumimoji="1" lang="ja-JP" altLang="en-US"/>
           </a:p>
@@ -16132,7 +16132,7 @@
           <a:p>
             <a:fld id="{972CBB3C-9CDD-4C6D-9C7E-EDE408A6334B}" type="datetime1">
               <a:rPr kumimoji="1" lang="ja-JP" altLang="en-US" smtClean="0"/>
-              <a:t>2024/12/2</a:t>
+              <a:t>2025/2/6</a:t>
             </a:fld>
             <a:endParaRPr kumimoji="1" lang="ja-JP" altLang="en-US"/>
           </a:p>
@@ -16860,7 +16860,7 @@
                 <a:cs typeface="Arial"/>
                 <a:sym typeface="Arial"/>
               </a:rPr>
-              <a:t>分散表現の最適な統合手法の検討</a:t>
+              <a:t>分散表現の統合手法</a:t>
             </a:r>
             <a:br>
               <a:rPr lang="en-US" altLang="ja-JP" sz="3600" dirty="0">
@@ -16910,7 +16910,27 @@
             </a:r>
             <a:r>
               <a:rPr lang="ja-JP" altLang="en-US" dirty="0"/>
-              <a:t>室</a:t>
+              <a:t>室 </a:t>
+            </a:r>
+            <a:r>
+              <a:rPr lang="en-US" altLang="ja-JP" dirty="0"/>
+              <a:t>(</a:t>
+            </a:r>
+            <a:r>
+              <a:rPr lang="ja-JP" altLang="en-US" dirty="0"/>
+              <a:t>第 </a:t>
+            </a:r>
+            <a:r>
+              <a:rPr lang="en-US" altLang="ja-JP" dirty="0"/>
+              <a:t>1 </a:t>
+            </a:r>
+            <a:r>
+              <a:rPr lang="ja-JP" altLang="en-US" dirty="0"/>
+              <a:t>グループ</a:t>
+            </a:r>
+            <a:r>
+              <a:rPr lang="en-US" altLang="ja-JP" dirty="0"/>
+              <a:t>)</a:t>
             </a:r>
             <a:endParaRPr kumimoji="1" lang="en-US" altLang="ja-JP" dirty="0"/>
           </a:p>
@@ -16918,7 +16938,7 @@
             <a:pPr algn="r"/>
             <a:r>
               <a:rPr lang="en-US" altLang="ja-JP" dirty="0"/>
-              <a:t>M2 </a:t>
+              <a:t>2210104043       </a:t>
             </a:r>
             <a:r>
               <a:rPr lang="ja-JP" altLang="en-US" dirty="0"/>
